--- a/slides/10-Atribui��o.pptx
+++ b/slides/10-Atribui��o.pptx
@@ -244,7 +244,7 @@
             <a:fld id="{3CDD0DE3-45DB-4C54-87B2-6479F59A40E2}" type="datetimeFigureOut">
               <a:rPr lang="pt-BR" smtClean="0"/>
               <a:pPr/>
-              <a:t>12/01/2012</a:t>
+              <a:t>31/03/2012</a:t>
             </a:fld>
             <a:endParaRPr lang="pt-BR"/>
           </a:p>
@@ -413,7 +413,7 @@
     </p:spTree>
     <p:extLst>
       <p:ext uri="{BB962C8B-B14F-4D97-AF65-F5344CB8AC3E}">
-        <p14:creationId xmlns:p14="http://schemas.microsoft.com/office/powerpoint/2010/main" xmlns="" val="323633875"/>
+        <p14:creationId xmlns="" xmlns:p14="http://schemas.microsoft.com/office/powerpoint/2010/main" val="323633875"/>
       </p:ext>
     </p:extLst>
   </p:cSld>
@@ -641,7 +641,7 @@
           </a:bodyPr>
           <a:lstStyle/>
           <a:p>
-            <a:endParaRPr lang="pt-BR"/>
+            <a:endParaRPr lang="pt-BR" dirty="0"/>
           </a:p>
         </p:txBody>
       </p:sp>
@@ -1005,6 +1005,173 @@
 </p:notes>
 </file>
 
+<file path=ppt/notesSlides/notesSlide7.xml><?xml version="1.0" encoding="utf-8"?>
+<p:notes xmlns:a="http://schemas.openxmlformats.org/drawingml/2006/main" xmlns:r="http://schemas.openxmlformats.org/officeDocument/2006/relationships" xmlns:p="http://schemas.openxmlformats.org/presentationml/2006/main">
+  <p:cSld>
+    <p:spTree>
+      <p:nvGrpSpPr>
+        <p:cNvPr id="1" name=""/>
+        <p:cNvGrpSpPr/>
+        <p:nvPr/>
+      </p:nvGrpSpPr>
+      <p:grpSpPr>
+        <a:xfrm>
+          <a:off x="0" y="0"/>
+          <a:ext cx="0" cy="0"/>
+          <a:chOff x="0" y="0"/>
+          <a:chExt cx="0" cy="0"/>
+        </a:xfrm>
+      </p:grpSpPr>
+      <p:sp>
+        <p:nvSpPr>
+          <p:cNvPr id="2" name="Espaço Reservado para Imagem de Slide 1"/>
+          <p:cNvSpPr>
+            <a:spLocks noGrp="1" noRot="1" noChangeAspect="1"/>
+          </p:cNvSpPr>
+          <p:nvPr>
+            <p:ph type="sldImg"/>
+          </p:nvPr>
+        </p:nvSpPr>
+        <p:spPr/>
+      </p:sp>
+      <p:sp>
+        <p:nvSpPr>
+          <p:cNvPr id="3" name="Espaço Reservado para Anotações 2"/>
+          <p:cNvSpPr>
+            <a:spLocks noGrp="1"/>
+          </p:cNvSpPr>
+          <p:nvPr>
+            <p:ph type="body" idx="1"/>
+          </p:nvPr>
+        </p:nvSpPr>
+        <p:spPr/>
+        <p:txBody>
+          <a:bodyPr/>
+          <a:lstStyle/>
+          <a:p>
+            <a:endParaRPr lang="pt-BR" dirty="0"/>
+          </a:p>
+        </p:txBody>
+      </p:sp>
+      <p:sp>
+        <p:nvSpPr>
+          <p:cNvPr id="4" name="Espaço Reservado para Número de Slide 3"/>
+          <p:cNvSpPr>
+            <a:spLocks noGrp="1"/>
+          </p:cNvSpPr>
+          <p:nvPr>
+            <p:ph type="sldNum" sz="quarter" idx="10"/>
+          </p:nvPr>
+        </p:nvSpPr>
+        <p:spPr/>
+        <p:txBody>
+          <a:bodyPr/>
+          <a:lstStyle/>
+          <a:p>
+            <a:fld id="{6982E129-955E-4FC4-B1A9-16892DF4131E}" type="slidenum">
+              <a:rPr lang="pt-BR" smtClean="0"/>
+              <a:pPr/>
+              <a:t>10</a:t>
+            </a:fld>
+            <a:endParaRPr lang="pt-BR"/>
+          </a:p>
+        </p:txBody>
+      </p:sp>
+    </p:spTree>
+    <p:extLst>
+      <p:ext uri="{BB962C8B-B14F-4D97-AF65-F5344CB8AC3E}">
+        <p14:creationId xmlns="" xmlns:p14="http://schemas.microsoft.com/office/powerpoint/2010/main" val="1578942082"/>
+      </p:ext>
+    </p:extLst>
+  </p:cSld>
+  <p:clrMapOvr>
+    <a:masterClrMapping/>
+  </p:clrMapOvr>
+</p:notes>
+</file>
+
+<file path=ppt/notesSlides/notesSlide8.xml><?xml version="1.0" encoding="utf-8"?>
+<p:notes xmlns:a="http://schemas.openxmlformats.org/drawingml/2006/main" xmlns:r="http://schemas.openxmlformats.org/officeDocument/2006/relationships" xmlns:p="http://schemas.openxmlformats.org/presentationml/2006/main">
+  <p:cSld>
+    <p:spTree>
+      <p:nvGrpSpPr>
+        <p:cNvPr id="1" name=""/>
+        <p:cNvGrpSpPr/>
+        <p:nvPr/>
+      </p:nvGrpSpPr>
+      <p:grpSpPr>
+        <a:xfrm>
+          <a:off x="0" y="0"/>
+          <a:ext cx="0" cy="0"/>
+          <a:chOff x="0" y="0"/>
+          <a:chExt cx="0" cy="0"/>
+        </a:xfrm>
+      </p:grpSpPr>
+      <p:sp>
+        <p:nvSpPr>
+          <p:cNvPr id="2" name="Espaço Reservado para Imagem de Slide 1"/>
+          <p:cNvSpPr>
+            <a:spLocks noGrp="1" noRot="1" noChangeAspect="1"/>
+          </p:cNvSpPr>
+          <p:nvPr>
+            <p:ph type="sldImg"/>
+          </p:nvPr>
+        </p:nvSpPr>
+        <p:spPr/>
+      </p:sp>
+      <p:sp>
+        <p:nvSpPr>
+          <p:cNvPr id="3" name="Espaço Reservado para Anotações 2"/>
+          <p:cNvSpPr>
+            <a:spLocks noGrp="1"/>
+          </p:cNvSpPr>
+          <p:nvPr>
+            <p:ph type="body" idx="1"/>
+          </p:nvPr>
+        </p:nvSpPr>
+        <p:spPr/>
+        <p:txBody>
+          <a:bodyPr>
+            <a:normAutofit/>
+          </a:bodyPr>
+          <a:lstStyle/>
+          <a:p>
+            <a:endParaRPr lang="pt-BR" dirty="0"/>
+          </a:p>
+        </p:txBody>
+      </p:sp>
+      <p:sp>
+        <p:nvSpPr>
+          <p:cNvPr id="4" name="Espaço Reservado para Número de Slide 3"/>
+          <p:cNvSpPr>
+            <a:spLocks noGrp="1"/>
+          </p:cNvSpPr>
+          <p:nvPr>
+            <p:ph type="sldNum" sz="quarter" idx="10"/>
+          </p:nvPr>
+        </p:nvSpPr>
+        <p:spPr/>
+        <p:txBody>
+          <a:bodyPr/>
+          <a:lstStyle/>
+          <a:p>
+            <a:fld id="{6982E129-955E-4FC4-B1A9-16892DF4131E}" type="slidenum">
+              <a:rPr lang="pt-BR" smtClean="0"/>
+              <a:pPr/>
+              <a:t>27</a:t>
+            </a:fld>
+            <a:endParaRPr lang="pt-BR"/>
+          </a:p>
+        </p:txBody>
+      </p:sp>
+    </p:spTree>
+  </p:cSld>
+  <p:clrMapOvr>
+    <a:masterClrMapping/>
+  </p:clrMapOvr>
+</p:notes>
+</file>
+
 <file path=ppt/slideLayouts/slideLayout1.xml><?xml version="1.0" encoding="utf-8"?>
 <p:sldLayout xmlns:a="http://schemas.openxmlformats.org/drawingml/2006/main" xmlns:r="http://schemas.openxmlformats.org/officeDocument/2006/relationships" xmlns:p="http://schemas.openxmlformats.org/presentationml/2006/main" type="title" preserve="1">
   <p:cSld name="Slide de título">
@@ -1196,7 +1363,7 @@
             <a:fld id="{766E0936-2EAE-45ED-BF76-21D747438BFA}" type="datetimeFigureOut">
               <a:rPr lang="pt-BR" smtClean="0"/>
               <a:pPr/>
-              <a:t>12/01/2012</a:t>
+              <a:t>31/03/2012</a:t>
             </a:fld>
             <a:endParaRPr lang="pt-BR"/>
           </a:p>
@@ -1248,7 +1415,7 @@
     </p:spTree>
     <p:extLst>
       <p:ext uri="{BB962C8B-B14F-4D97-AF65-F5344CB8AC3E}">
-        <p14:creationId xmlns:p14="http://schemas.microsoft.com/office/powerpoint/2010/main" xmlns="" val="3819067513"/>
+        <p14:creationId xmlns="" xmlns:p14="http://schemas.microsoft.com/office/powerpoint/2010/main" val="3819067513"/>
       </p:ext>
     </p:extLst>
   </p:cSld>
@@ -1420,7 +1587,7 @@
             <a:fld id="{766E0936-2EAE-45ED-BF76-21D747438BFA}" type="datetimeFigureOut">
               <a:rPr lang="pt-BR" smtClean="0"/>
               <a:pPr/>
-              <a:t>12/01/2012</a:t>
+              <a:t>31/03/2012</a:t>
             </a:fld>
             <a:endParaRPr lang="pt-BR"/>
           </a:p>
@@ -1472,7 +1639,7 @@
     </p:spTree>
     <p:extLst>
       <p:ext uri="{BB962C8B-B14F-4D97-AF65-F5344CB8AC3E}">
-        <p14:creationId xmlns:p14="http://schemas.microsoft.com/office/powerpoint/2010/main" xmlns="" val="4293683188"/>
+        <p14:creationId xmlns="" xmlns:p14="http://schemas.microsoft.com/office/powerpoint/2010/main" val="4293683188"/>
       </p:ext>
     </p:extLst>
   </p:cSld>
@@ -1654,7 +1821,7 @@
             <a:fld id="{766E0936-2EAE-45ED-BF76-21D747438BFA}" type="datetimeFigureOut">
               <a:rPr lang="pt-BR" smtClean="0"/>
               <a:pPr/>
-              <a:t>12/01/2012</a:t>
+              <a:t>31/03/2012</a:t>
             </a:fld>
             <a:endParaRPr lang="pt-BR"/>
           </a:p>
@@ -1706,7 +1873,7 @@
     </p:spTree>
     <p:extLst>
       <p:ext uri="{BB962C8B-B14F-4D97-AF65-F5344CB8AC3E}">
-        <p14:creationId xmlns:p14="http://schemas.microsoft.com/office/powerpoint/2010/main" xmlns="" val="932540526"/>
+        <p14:creationId xmlns="" xmlns:p14="http://schemas.microsoft.com/office/powerpoint/2010/main" val="932540526"/>
       </p:ext>
     </p:extLst>
   </p:cSld>
@@ -1753,7 +1920,7 @@
           <a:blip r:embed="rId2" cstate="print">
             <a:extLst>
               <a:ext uri="{BEBA8EAE-BF5A-486C-A8C5-ECC9F3942E4B}">
-                <a14:imgProps xmlns:a14="http://schemas.microsoft.com/office/drawing/2010/main" xmlns="">
+                <a14:imgProps xmlns="" xmlns:a14="http://schemas.microsoft.com/office/drawing/2010/main">
                   <a14:imgLayer r:embed="rId3">
                     <a14:imgEffect>
                       <a14:artisticBlur/>
@@ -1762,7 +1929,7 @@
                 </a14:imgProps>
               </a:ext>
               <a:ext uri="{28A0092B-C50C-407E-A947-70E740481C1C}">
-                <a14:useLocalDpi xmlns:a14="http://schemas.microsoft.com/office/drawing/2010/main" xmlns="" val="0"/>
+                <a14:useLocalDpi xmlns="" xmlns:a14="http://schemas.microsoft.com/office/drawing/2010/main" val="0"/>
               </a:ext>
             </a:extLst>
           </a:blip>
@@ -1784,14 +1951,14 @@
           </a:ln>
           <a:extLst>
             <a:ext uri="{909E8E84-426E-40DD-AFC4-6F175D3DCCD1}">
-              <a14:hiddenFill xmlns:a14="http://schemas.microsoft.com/office/drawing/2010/main" xmlns="">
+              <a14:hiddenFill xmlns="" xmlns:a14="http://schemas.microsoft.com/office/drawing/2010/main">
                 <a:solidFill>
                   <a:schemeClr val="accent1"/>
                 </a:solidFill>
               </a14:hiddenFill>
             </a:ext>
             <a:ext uri="{91240B29-F687-4F45-9708-019B960494DF}">
-              <a14:hiddenLine xmlns:a14="http://schemas.microsoft.com/office/drawing/2010/main" xmlns="" w="9525">
+              <a14:hiddenLine xmlns="" xmlns:a14="http://schemas.microsoft.com/office/drawing/2010/main" w="9525">
                 <a:solidFill>
                   <a:schemeClr val="tx1"/>
                 </a:solidFill>
@@ -1801,7 +1968,7 @@
               </a14:hiddenLine>
             </a:ext>
             <a:ext uri="{AF507438-7753-43E0-B8FC-AC1667EBCBE1}">
-              <a14:hiddenEffects xmlns:a14="http://schemas.microsoft.com/office/drawing/2010/main" xmlns="">
+              <a14:hiddenEffects xmlns="" xmlns:a14="http://schemas.microsoft.com/office/drawing/2010/main">
                 <a:effectLst>
                   <a:outerShdw dist="35921" dir="2700000" algn="ctr" rotWithShape="0">
                     <a:schemeClr val="bg2"/>
@@ -1997,7 +2164,7 @@
             <a:fld id="{766E0936-2EAE-45ED-BF76-21D747438BFA}" type="datetimeFigureOut">
               <a:rPr lang="pt-BR" smtClean="0"/>
               <a:pPr/>
-              <a:t>12/01/2012</a:t>
+              <a:t>31/03/2012</a:t>
             </a:fld>
             <a:endParaRPr lang="pt-BR"/>
           </a:p>
@@ -2049,7 +2216,7 @@
     </p:spTree>
     <p:extLst>
       <p:ext uri="{BB962C8B-B14F-4D97-AF65-F5344CB8AC3E}">
-        <p14:creationId xmlns:p14="http://schemas.microsoft.com/office/powerpoint/2010/main" xmlns="" val="1140807732"/>
+        <p14:creationId xmlns="" xmlns:p14="http://schemas.microsoft.com/office/powerpoint/2010/main" val="1140807732"/>
       </p:ext>
     </p:extLst>
   </p:cSld>
@@ -2255,7 +2422,7 @@
             <a:fld id="{766E0936-2EAE-45ED-BF76-21D747438BFA}" type="datetimeFigureOut">
               <a:rPr lang="pt-BR" smtClean="0"/>
               <a:pPr/>
-              <a:t>12/01/2012</a:t>
+              <a:t>31/03/2012</a:t>
             </a:fld>
             <a:endParaRPr lang="pt-BR"/>
           </a:p>
@@ -2307,7 +2474,7 @@
     </p:spTree>
     <p:extLst>
       <p:ext uri="{BB962C8B-B14F-4D97-AF65-F5344CB8AC3E}">
-        <p14:creationId xmlns:p14="http://schemas.microsoft.com/office/powerpoint/2010/main" xmlns="" val="3735907881"/>
+        <p14:creationId xmlns="" xmlns:p14="http://schemas.microsoft.com/office/powerpoint/2010/main" val="3735907881"/>
       </p:ext>
     </p:extLst>
   </p:cSld>
@@ -2601,7 +2768,7 @@
             <a:fld id="{766E0936-2EAE-45ED-BF76-21D747438BFA}" type="datetimeFigureOut">
               <a:rPr lang="pt-BR" smtClean="0"/>
               <a:pPr/>
-              <a:t>12/01/2012</a:t>
+              <a:t>31/03/2012</a:t>
             </a:fld>
             <a:endParaRPr lang="pt-BR"/>
           </a:p>
@@ -2653,7 +2820,7 @@
     </p:spTree>
     <p:extLst>
       <p:ext uri="{BB962C8B-B14F-4D97-AF65-F5344CB8AC3E}">
-        <p14:creationId xmlns:p14="http://schemas.microsoft.com/office/powerpoint/2010/main" xmlns="" val="2820318444"/>
+        <p14:creationId xmlns="" xmlns:p14="http://schemas.microsoft.com/office/powerpoint/2010/main" val="2820318444"/>
       </p:ext>
     </p:extLst>
   </p:cSld>
@@ -3085,7 +3252,7 @@
             <a:fld id="{766E0936-2EAE-45ED-BF76-21D747438BFA}" type="datetimeFigureOut">
               <a:rPr lang="pt-BR" smtClean="0"/>
               <a:pPr/>
-              <a:t>12/01/2012</a:t>
+              <a:t>31/03/2012</a:t>
             </a:fld>
             <a:endParaRPr lang="pt-BR"/>
           </a:p>
@@ -3137,7 +3304,7 @@
     </p:spTree>
     <p:extLst>
       <p:ext uri="{BB962C8B-B14F-4D97-AF65-F5344CB8AC3E}">
-        <p14:creationId xmlns:p14="http://schemas.microsoft.com/office/powerpoint/2010/main" xmlns="" val="566552069"/>
+        <p14:creationId xmlns="" xmlns:p14="http://schemas.microsoft.com/office/powerpoint/2010/main" val="566552069"/>
       </p:ext>
     </p:extLst>
   </p:cSld>
@@ -3221,7 +3388,7 @@
             <a:fld id="{766E0936-2EAE-45ED-BF76-21D747438BFA}" type="datetimeFigureOut">
               <a:rPr lang="pt-BR" smtClean="0"/>
               <a:pPr/>
-              <a:t>12/01/2012</a:t>
+              <a:t>31/03/2012</a:t>
             </a:fld>
             <a:endParaRPr lang="pt-BR"/>
           </a:p>
@@ -3273,7 +3440,7 @@
     </p:spTree>
     <p:extLst>
       <p:ext uri="{BB962C8B-B14F-4D97-AF65-F5344CB8AC3E}">
-        <p14:creationId xmlns:p14="http://schemas.microsoft.com/office/powerpoint/2010/main" xmlns="" val="1358390184"/>
+        <p14:creationId xmlns="" xmlns:p14="http://schemas.microsoft.com/office/powerpoint/2010/main" val="1358390184"/>
       </p:ext>
     </p:extLst>
   </p:cSld>
@@ -3326,7 +3493,7 @@
             <a:fld id="{766E0936-2EAE-45ED-BF76-21D747438BFA}" type="datetimeFigureOut">
               <a:rPr lang="pt-BR" smtClean="0"/>
               <a:pPr/>
-              <a:t>12/01/2012</a:t>
+              <a:t>31/03/2012</a:t>
             </a:fld>
             <a:endParaRPr lang="pt-BR"/>
           </a:p>
@@ -3378,7 +3545,7 @@
     </p:spTree>
     <p:extLst>
       <p:ext uri="{BB962C8B-B14F-4D97-AF65-F5344CB8AC3E}">
-        <p14:creationId xmlns:p14="http://schemas.microsoft.com/office/powerpoint/2010/main" xmlns="" val="3705262111"/>
+        <p14:creationId xmlns="" xmlns:p14="http://schemas.microsoft.com/office/powerpoint/2010/main" val="3705262111"/>
       </p:ext>
     </p:extLst>
   </p:cSld>
@@ -3641,7 +3808,7 @@
             <a:fld id="{766E0936-2EAE-45ED-BF76-21D747438BFA}" type="datetimeFigureOut">
               <a:rPr lang="pt-BR" smtClean="0"/>
               <a:pPr/>
-              <a:t>12/01/2012</a:t>
+              <a:t>31/03/2012</a:t>
             </a:fld>
             <a:endParaRPr lang="pt-BR"/>
           </a:p>
@@ -3693,7 +3860,7 @@
     </p:spTree>
     <p:extLst>
       <p:ext uri="{BB962C8B-B14F-4D97-AF65-F5344CB8AC3E}">
-        <p14:creationId xmlns:p14="http://schemas.microsoft.com/office/powerpoint/2010/main" xmlns="" val="2189634051"/>
+        <p14:creationId xmlns="" xmlns:p14="http://schemas.microsoft.com/office/powerpoint/2010/main" val="2189634051"/>
       </p:ext>
     </p:extLst>
   </p:cSld>
@@ -3916,7 +4083,7 @@
             <a:fld id="{766E0936-2EAE-45ED-BF76-21D747438BFA}" type="datetimeFigureOut">
               <a:rPr lang="pt-BR" smtClean="0"/>
               <a:pPr/>
-              <a:t>12/01/2012</a:t>
+              <a:t>31/03/2012</a:t>
             </a:fld>
             <a:endParaRPr lang="pt-BR"/>
           </a:p>
@@ -3968,7 +4135,7 @@
     </p:spTree>
     <p:extLst>
       <p:ext uri="{BB962C8B-B14F-4D97-AF65-F5344CB8AC3E}">
-        <p14:creationId xmlns:p14="http://schemas.microsoft.com/office/powerpoint/2010/main" xmlns="" val="3848481695"/>
+        <p14:creationId xmlns="" xmlns:p14="http://schemas.microsoft.com/office/powerpoint/2010/main" val="3848481695"/>
       </p:ext>
     </p:extLst>
   </p:cSld>
@@ -4132,7 +4299,7 @@
             <a:fld id="{766E0936-2EAE-45ED-BF76-21D747438BFA}" type="datetimeFigureOut">
               <a:rPr lang="pt-BR" smtClean="0"/>
               <a:pPr/>
-              <a:t>12/01/2012</a:t>
+              <a:t>31/03/2012</a:t>
             </a:fld>
             <a:endParaRPr lang="pt-BR"/>
           </a:p>
@@ -4246,7 +4413,7 @@
     </p:spTree>
     <p:extLst>
       <p:ext uri="{BB962C8B-B14F-4D97-AF65-F5344CB8AC3E}">
-        <p14:creationId xmlns:p14="http://schemas.microsoft.com/office/powerpoint/2010/main" xmlns="" val="2257276274"/>
+        <p14:creationId xmlns="" xmlns:p14="http://schemas.microsoft.com/office/powerpoint/2010/main" val="2257276274"/>
       </p:ext>
     </p:extLst>
   </p:cSld>
@@ -4554,7 +4721,7 @@
           <a:blip r:embed="rId3" cstate="print">
             <a:extLst>
               <a:ext uri="{28A0092B-C50C-407E-A947-70E740481C1C}">
-                <a14:useLocalDpi xmlns:a14="http://schemas.microsoft.com/office/drawing/2010/main" xmlns="" val="0"/>
+                <a14:useLocalDpi xmlns="" xmlns:a14="http://schemas.microsoft.com/office/drawing/2010/main" val="0"/>
               </a:ext>
             </a:extLst>
           </a:blip>
@@ -4578,14 +4745,14 @@
           <a:effectLst/>
           <a:extLst>
             <a:ext uri="{909E8E84-426E-40DD-AFC4-6F175D3DCCD1}">
-              <a14:hiddenFill xmlns:a14="http://schemas.microsoft.com/office/drawing/2010/main" xmlns="">
+              <a14:hiddenFill xmlns="" xmlns:a14="http://schemas.microsoft.com/office/drawing/2010/main">
                 <a:solidFill>
                   <a:schemeClr val="accent1"/>
                 </a:solidFill>
               </a14:hiddenFill>
             </a:ext>
             <a:ext uri="{91240B29-F687-4F45-9708-019B960494DF}">
-              <a14:hiddenLine xmlns:a14="http://schemas.microsoft.com/office/drawing/2010/main" xmlns="" w="9525">
+              <a14:hiddenLine xmlns="" xmlns:a14="http://schemas.microsoft.com/office/drawing/2010/main" w="9525">
                 <a:solidFill>
                   <a:schemeClr val="tx1"/>
                 </a:solidFill>
@@ -4595,7 +4762,7 @@
               </a14:hiddenLine>
             </a:ext>
             <a:ext uri="{AF507438-7753-43E0-B8FC-AC1667EBCBE1}">
-              <a14:hiddenEffects xmlns:a14="http://schemas.microsoft.com/office/drawing/2010/main" xmlns="">
+              <a14:hiddenEffects xmlns="" xmlns:a14="http://schemas.microsoft.com/office/drawing/2010/main">
                 <a:effectLst>
                   <a:outerShdw dist="35921" dir="2700000" algn="ctr" rotWithShape="0">
                     <a:schemeClr val="bg2"/>
@@ -4678,7 +4845,7 @@
     </p:spTree>
     <p:extLst>
       <p:ext uri="{BB962C8B-B14F-4D97-AF65-F5344CB8AC3E}">
-        <p14:creationId xmlns:p14="http://schemas.microsoft.com/office/powerpoint/2010/main" xmlns="" val="3499982093"/>
+        <p14:creationId xmlns="" xmlns:p14="http://schemas.microsoft.com/office/powerpoint/2010/main" val="3499982093"/>
       </p:ext>
     </p:extLst>
   </p:cSld>
@@ -8539,7 +8706,7 @@
             </a:r>
             <a:r>
               <a:rPr lang="pt-PT" dirty="0" smtClean="0"/>
-              <a:t>uma exeption NegativeArraySizeException </a:t>
+              <a:t>uma exception NegativeArraySizeException </a:t>
             </a:r>
             <a:r>
               <a:rPr lang="pt-PT" dirty="0"/>
@@ -13580,6 +13747,13 @@
     <a:masterClrMapping/>
   </p:clrMapOvr>
   <p:transition spd="slow"/>
+  <p:timing>
+    <p:tnLst>
+      <p:par>
+        <p:cTn id="1" dur="indefinite" restart="never" nodeType="tmRoot"/>
+      </p:par>
+    </p:tnLst>
+  </p:timing>
 </p:sld>
 </file>
 
@@ -14792,6 +14966,13 @@
     <a:masterClrMapping/>
   </p:clrMapOvr>
   <p:transition spd="slow"/>
+  <p:timing>
+    <p:tnLst>
+      <p:par>
+        <p:cTn id="1" dur="indefinite" restart="never" nodeType="tmRoot"/>
+      </p:par>
+    </p:tnLst>
+  </p:timing>
 </p:sld>
 </file>
 
@@ -14829,7 +15010,7 @@
           <a:p>
             <a:r>
               <a:rPr lang="pt-BR" dirty="0" smtClean="0"/>
-              <a:t>É uma representação no código-fonte do tipo primitivo de dados, ou seja, é um inteiro, um ponto-flutuante, booleano ou </a:t>
+              <a:t>É uma representação no código-fonte de um tipo de dado, ou seja, é um inteiro, um ponto-flutuante, booleano, </a:t>
             </a:r>
             <a:r>
               <a:rPr lang="pt-BR" dirty="0" err="1" smtClean="0"/>
@@ -14837,6 +15018,14 @@
             </a:r>
             <a:r>
               <a:rPr lang="pt-BR" dirty="0" smtClean="0"/>
+              <a:t> ou </a:t>
+            </a:r>
+            <a:r>
+              <a:rPr lang="pt-BR" dirty="0" err="1" smtClean="0"/>
+              <a:t>string</a:t>
+            </a:r>
+            <a:r>
+              <a:rPr lang="pt-BR" dirty="0" smtClean="0"/>
               <a:t> escrito no código</a:t>
             </a:r>
           </a:p>
@@ -14844,6 +15033,10 @@
             <a:r>
               <a:rPr lang="pt-BR" dirty="0" smtClean="0"/>
               <a:t>Ex: ‘B’, 12, 12.3, </a:t>
+            </a:r>
+            <a:r>
+              <a:rPr lang="pt-BR" smtClean="0"/>
+              <a:t>“literal”</a:t>
             </a:r>
             <a:endParaRPr lang="pt-BR" dirty="0"/>
           </a:p>
@@ -14878,6 +15071,13 @@
     <a:masterClrMapping/>
   </p:clrMapOvr>
   <p:transition spd="slow"/>
+  <p:timing>
+    <p:tnLst>
+      <p:par>
+        <p:cTn id="1" dur="indefinite" restart="never" nodeType="tmRoot"/>
+      </p:par>
+    </p:tnLst>
+  </p:timing>
 </p:sld>
 </file>
 
@@ -15009,6 +15209,13 @@
     <a:masterClrMapping/>
   </p:clrMapOvr>
   <p:transition spd="slow"/>
+  <p:timing>
+    <p:tnLst>
+      <p:par>
+        <p:cTn id="1" dur="indefinite" restart="never" nodeType="tmRoot"/>
+      </p:par>
+    </p:tnLst>
+  </p:timing>
 </p:sld>
 </file>
 
@@ -15108,6 +15315,13 @@
     <a:masterClrMapping/>
   </p:clrMapOvr>
   <p:transition spd="slow"/>
+  <p:timing>
+    <p:tnLst>
+      <p:par>
+        <p:cTn id="1" dur="indefinite" restart="never" nodeType="tmRoot"/>
+      </p:par>
+    </p:tnLst>
+  </p:timing>
 </p:sld>
 </file>
 
@@ -15185,6 +15399,13 @@
     <a:masterClrMapping/>
   </p:clrMapOvr>
   <p:transition spd="slow"/>
+  <p:timing>
+    <p:tnLst>
+      <p:par>
+        <p:cTn id="1" dur="indefinite" restart="never" nodeType="tmRoot"/>
+      </p:par>
+    </p:tnLst>
+  </p:timing>
 </p:sld>
 </file>
 
@@ -15222,11 +15443,7 @@
           <a:p>
             <a:r>
               <a:rPr lang="pt-BR" dirty="0" smtClean="0"/>
-              <a:t>O escopo da variável pode ser entendido como o alcance que a variável </a:t>
-            </a:r>
-            <a:r>
-              <a:rPr lang="pt-BR" dirty="0" smtClean="0"/>
-              <a:t>possui, ou seja, até onde ela pode ser alcançada</a:t>
+              <a:t>O escopo da variável pode ser entendido como o alcance que a variável possui, ou seja, até onde ela pode ser alcançada</a:t>
             </a:r>
           </a:p>
         </p:txBody>
@@ -15260,6 +15477,13 @@
     <a:masterClrMapping/>
   </p:clrMapOvr>
   <p:transition spd="slow"/>
+  <p:timing>
+    <p:tnLst>
+      <p:par>
+        <p:cTn id="1" dur="indefinite" restart="never" nodeType="tmRoot"/>
+      </p:par>
+    </p:tnLst>
+  </p:timing>
 </p:sld>
 </file>
 
@@ -15351,6 +15575,13 @@
     <a:masterClrMapping/>
   </p:clrMapOvr>
   <p:transition spd="slow"/>
+  <p:timing>
+    <p:tnLst>
+      <p:par>
+        <p:cTn id="1" dur="indefinite" restart="never" nodeType="tmRoot"/>
+      </p:par>
+    </p:tnLst>
+  </p:timing>
 </p:sld>
 </file>
 
@@ -15625,6 +15856,13 @@
     <a:masterClrMapping/>
   </p:clrMapOvr>
   <p:transition spd="slow"/>
+  <p:timing>
+    <p:tnLst>
+      <p:par>
+        <p:cTn id="1" dur="indefinite" restart="never" nodeType="tmRoot"/>
+      </p:par>
+    </p:tnLst>
+  </p:timing>
 </p:sld>
 </file>
 
@@ -15829,19 +16067,8 @@
                 <a:ea typeface="Calibri"/>
                 <a:cs typeface="Times New Roman"/>
               </a:rPr>
-              <a:t>		x++; // </a:t>
-            </a:r>
-            <a:r>
-              <a:rPr lang="en-US" sz="1600" dirty="0" smtClean="0">
-                <a:ea typeface="Calibri"/>
-                <a:cs typeface="Times New Roman"/>
-              </a:rPr>
-              <a:t>won't compile, x is an 'instance' variable</a:t>
-            </a:r>
-            <a:endParaRPr lang="en-US" sz="1600" dirty="0" smtClean="0">
-              <a:ea typeface="Calibri"/>
-              <a:cs typeface="Times New Roman"/>
-            </a:endParaRPr>
+              <a:t>		x++; // won't compile, x is an 'instance' variable</a:t>
+            </a:r>
           </a:p>
           <a:p>
             <a:pPr>
@@ -15889,6 +16116,13 @@
     <a:masterClrMapping/>
   </p:clrMapOvr>
   <p:transition spd="slow"/>
+  <p:timing>
+    <p:tnLst>
+      <p:par>
+        <p:cTn id="1" dur="indefinite" restart="never" nodeType="tmRoot"/>
+      </p:par>
+    </p:tnLst>
+  </p:timing>
 </p:sld>
 </file>
 
@@ -15960,11 +16194,7 @@
             </a:r>
             <a:r>
               <a:rPr lang="pt-BR" dirty="0" smtClean="0"/>
-              <a:t> </a:t>
-            </a:r>
-            <a:r>
-              <a:rPr lang="pt-BR" dirty="0" smtClean="0"/>
-              <a:t>catch!</a:t>
+              <a:t> catch!</a:t>
             </a:r>
             <a:endParaRPr lang="pt-BR" dirty="0"/>
           </a:p>
@@ -16223,7 +16453,14 @@
                 <a:ea typeface="Calibri"/>
                 <a:cs typeface="Times New Roman"/>
               </a:rPr>
-              <a:t>existe</a:t>
+              <a:t>não</a:t>
+            </a:r>
+            <a:r>
+              <a:rPr lang="en-US" sz="1600" smtClean="0">
+                <a:ea typeface="Calibri"/>
+                <a:cs typeface="Times New Roman"/>
+              </a:rPr>
+              <a:t> existe</a:t>
             </a:r>
             <a:r>
               <a:rPr lang="en-US" sz="1600" dirty="0" smtClean="0">
@@ -16273,6 +16510,13 @@
     <a:masterClrMapping/>
   </p:clrMapOvr>
   <p:transition spd="slow"/>
+  <p:timing>
+    <p:tnLst>
+      <p:par>
+        <p:cTn id="1" dur="indefinite" restart="never" nodeType="tmRoot"/>
+      </p:par>
+    </p:tnLst>
+  </p:timing>
 </p:sld>
 </file>
 
